--- a/5/Context와 Lexical Environments.pptx
+++ b/5/Context와 Lexical Environments.pptx
@@ -1,6 +1,6 @@
 
 <file path=ppt/presentation.xml><?xml version="1.0" encoding="utf-8"?>
-<p:presentation xmlns:a="http://schemas.openxmlformats.org/drawingml/2006/main" xmlns:r="http://schemas.openxmlformats.org/officeDocument/2006/relationships" xmlns:p="http://schemas.openxmlformats.org/presentationml/2006/main" autoCompressPictures="0">
+<p:presentation xmlns:a="http://schemas.openxmlformats.org/drawingml/2006/main" xmlns:r="http://schemas.openxmlformats.org/officeDocument/2006/relationships" xmlns:p="http://schemas.openxmlformats.org/presentationml/2006/main" saveSubsetFonts="1" autoCompressPictures="0">
   <p:sldMasterIdLst>
     <p:sldMasterId id="2147483648" r:id="rId1"/>
   </p:sldMasterIdLst>
@@ -224,7 +224,7 @@
           <a:effectLst/>
           <a:extLst>
             <a:ext uri="{91240B29-F687-4f45-9708-019B960494DF}">
-              <a14:hiddenLine xmlns="" xmlns:a14="http://schemas.microsoft.com/office/drawing/2010/main" w="9525">
+              <a14:hiddenLine xmlns:a14="http://schemas.microsoft.com/office/drawing/2010/main" xmlns="" w="9525">
                 <a:solidFill>
                   <a:srgbClr val="000000"/>
                 </a:solidFill>
@@ -417,7 +417,7 @@
             <a:fld id="{08B9EBBA-996F-894A-B54A-D6246ED52CEA}" type="datetimeFigureOut">
               <a:rPr lang="en-US" dirty="0"/>
               <a:pPr/>
-              <a:t>11/9/2017</a:t>
+              <a:t>11/9/17</a:t>
             </a:fld>
             <a:endParaRPr lang="en-US" dirty="0"/>
           </a:p>
@@ -732,7 +732,7 @@
             <a:fld id="{18C79C5D-2A6F-F04D-97DA-BEF2467B64E4}" type="datetimeFigureOut">
               <a:rPr lang="en-US" dirty="0"/>
               <a:pPr/>
-              <a:t>11/9/2017</a:t>
+              <a:t>11/9/17</a:t>
             </a:fld>
             <a:endParaRPr lang="en-US" dirty="0"/>
           </a:p>
@@ -1217,7 +1217,7 @@
             <a:fld id="{8DFA1846-DA80-1C48-A609-854EA85C59AD}" type="datetimeFigureOut">
               <a:rPr lang="en-US" dirty="0"/>
               <a:pPr/>
-              <a:t>11/9/2017</a:t>
+              <a:t>11/9/17</a:t>
             </a:fld>
             <a:endParaRPr lang="en-US" dirty="0"/>
           </a:p>
@@ -1583,7 +1583,7 @@
             <a:fld id="{FBF54567-0DE4-3F47-BF90-CB84690072F9}" type="datetimeFigureOut">
               <a:rPr lang="en-US" dirty="0"/>
               <a:pPr/>
-              <a:t>11/9/2017</a:t>
+              <a:t>11/9/17</a:t>
             </a:fld>
             <a:endParaRPr lang="en-US" dirty="0"/>
           </a:p>
@@ -1734,7 +1734,7 @@
           <a:ln/>
           <a:extLst>
             <a:ext uri="{91240B29-F687-4f45-9708-019B960494DF}">
-              <a14:hiddenLine xmlns="" xmlns:a14="http://schemas.microsoft.com/office/drawing/2010/main" w="9525">
+              <a14:hiddenLine xmlns:a14="http://schemas.microsoft.com/office/drawing/2010/main" xmlns="" w="9525">
                 <a:solidFill>
                   <a:srgbClr val="000000"/>
                 </a:solidFill>
@@ -1853,7 +1853,7 @@
             <a:fld id="{C6C52C72-DE31-F449-A4ED-4C594FD91407}" type="datetimeFigureOut">
               <a:rPr lang="en-US" dirty="0"/>
               <a:pPr/>
-              <a:t>11/9/2017</a:t>
+              <a:t>11/9/17</a:t>
             </a:fld>
             <a:endParaRPr lang="en-US" dirty="0"/>
           </a:p>
@@ -2006,7 +2006,7 @@
           <a:ln/>
           <a:extLst>
             <a:ext uri="{91240B29-F687-4f45-9708-019B960494DF}">
-              <a14:hiddenLine xmlns="" xmlns:a14="http://schemas.microsoft.com/office/drawing/2010/main" w="9525">
+              <a14:hiddenLine xmlns:a14="http://schemas.microsoft.com/office/drawing/2010/main" xmlns="" w="9525">
                 <a:solidFill>
                   <a:srgbClr val="000000"/>
                 </a:solidFill>
@@ -2135,7 +2135,7 @@
             <a:fld id="{ED62726E-379B-B349-9EED-81ED093FA806}" type="datetimeFigureOut">
               <a:rPr lang="en-US" dirty="0"/>
               <a:pPr/>
-              <a:t>11/9/2017</a:t>
+              <a:t>11/9/17</a:t>
             </a:fld>
             <a:endParaRPr lang="en-US" dirty="0"/>
           </a:p>
@@ -2286,7 +2286,7 @@
           <a:ln/>
           <a:extLst>
             <a:ext uri="{91240B29-F687-4f45-9708-019B960494DF}">
-              <a14:hiddenLine xmlns="" xmlns:a14="http://schemas.microsoft.com/office/drawing/2010/main" w="9525">
+              <a14:hiddenLine xmlns:a14="http://schemas.microsoft.com/office/drawing/2010/main" xmlns="" w="9525">
                 <a:solidFill>
                   <a:srgbClr val="000000"/>
                 </a:solidFill>
@@ -2415,7 +2415,7 @@
             <a:fld id="{9B3A1323-8D79-1946-B0D7-40001CF92E9D}" type="datetimeFigureOut">
               <a:rPr lang="en-US" dirty="0"/>
               <a:pPr/>
-              <a:t>11/9/2017</a:t>
+              <a:t>11/9/17</a:t>
             </a:fld>
             <a:endParaRPr lang="en-US" dirty="0"/>
           </a:p>
@@ -2755,7 +2755,7 @@
             <a:fld id="{8DFA1846-DA80-1C48-A609-854EA85C59AD}" type="datetimeFigureOut">
               <a:rPr lang="en-US" dirty="0"/>
               <a:pPr/>
-              <a:t>11/9/2017</a:t>
+              <a:t>11/9/17</a:t>
             </a:fld>
             <a:endParaRPr lang="en-US" dirty="0"/>
           </a:p>
@@ -2906,7 +2906,7 @@
           <a:ln/>
           <a:extLst>
             <a:ext uri="{91240B29-F687-4f45-9708-019B960494DF}">
-              <a14:hiddenLine xmlns="" xmlns:a14="http://schemas.microsoft.com/office/drawing/2010/main" w="9525">
+              <a14:hiddenLine xmlns:a14="http://schemas.microsoft.com/office/drawing/2010/main" xmlns="" w="9525">
                 <a:solidFill>
                   <a:srgbClr val="000000"/>
                 </a:solidFill>
@@ -3091,7 +3091,7 @@
             <a:fld id="{57302355-E14B-8545-A8F8-0FE83CC9D524}" type="datetimeFigureOut">
               <a:rPr lang="en-US" dirty="0"/>
               <a:pPr/>
-              <a:t>11/9/2017</a:t>
+              <a:t>11/9/17</a:t>
             </a:fld>
             <a:endParaRPr lang="en-US" dirty="0"/>
           </a:p>
@@ -3242,7 +3242,7 @@
           <a:ln/>
           <a:extLst>
             <a:ext uri="{91240B29-F687-4f45-9708-019B960494DF}">
-              <a14:hiddenLine xmlns="" xmlns:a14="http://schemas.microsoft.com/office/drawing/2010/main" w="9525">
+              <a14:hiddenLine xmlns:a14="http://schemas.microsoft.com/office/drawing/2010/main" xmlns="" w="9525">
                 <a:solidFill>
                   <a:srgbClr val="000000"/>
                 </a:solidFill>
@@ -3565,7 +3565,7 @@
             <a:fld id="{02640F58-564D-2B4F-AE67-E407BA4FCF45}" type="datetimeFigureOut">
               <a:rPr lang="en-US" dirty="0"/>
               <a:pPr/>
-              <a:t>11/9/2017</a:t>
+              <a:t>11/9/17</a:t>
             </a:fld>
             <a:endParaRPr lang="en-US" dirty="0"/>
           </a:p>
@@ -3716,7 +3716,7 @@
           <a:ln/>
           <a:extLst>
             <a:ext uri="{91240B29-F687-4f45-9708-019B960494DF}">
-              <a14:hiddenLine xmlns="" xmlns:a14="http://schemas.microsoft.com/office/drawing/2010/main" w="9525">
+              <a14:hiddenLine xmlns:a14="http://schemas.microsoft.com/office/drawing/2010/main" xmlns="" w="9525">
                 <a:solidFill>
                   <a:srgbClr val="000000"/>
                 </a:solidFill>
@@ -3783,7 +3783,7 @@
             <a:fld id="{F13A34C8-038E-2045-AF43-DF7DBB8E0E9E}" type="datetimeFigureOut">
               <a:rPr lang="en-US" dirty="0"/>
               <a:pPr/>
-              <a:t>11/9/2017</a:t>
+              <a:t>11/9/17</a:t>
             </a:fld>
             <a:endParaRPr lang="en-US" dirty="0"/>
           </a:p>
@@ -3875,7 +3875,7 @@
             <a:fld id="{8818C68F-D26B-8F47-958C-23B49CF8A634}" type="datetimeFigureOut">
               <a:rPr lang="en-US" dirty="0"/>
               <a:pPr/>
-              <a:t>11/9/2017</a:t>
+              <a:t>11/9/17</a:t>
             </a:fld>
             <a:endParaRPr lang="en-US" dirty="0"/>
           </a:p>
@@ -4139,7 +4139,7 @@
           <a:ln/>
           <a:extLst>
             <a:ext uri="{91240B29-F687-4f45-9708-019B960494DF}">
-              <a14:hiddenLine xmlns="" xmlns:a14="http://schemas.microsoft.com/office/drawing/2010/main" w="9525">
+              <a14:hiddenLine xmlns:a14="http://schemas.microsoft.com/office/drawing/2010/main" xmlns="" w="9525">
                 <a:solidFill>
                   <a:srgbClr val="000000"/>
                 </a:solidFill>
@@ -4339,7 +4339,7 @@
             <a:fld id="{D0DF5E60-9974-AC48-9591-99C2BB44B7CF}" type="datetimeFigureOut">
               <a:rPr lang="en-US" dirty="0"/>
               <a:pPr/>
-              <a:t>11/9/2017</a:t>
+              <a:t>11/9/17</a:t>
             </a:fld>
             <a:endParaRPr lang="en-US" dirty="0"/>
           </a:p>
@@ -4649,7 +4649,7 @@
             <a:fld id="{18C79C5D-2A6F-F04D-97DA-BEF2467B64E4}" type="datetimeFigureOut">
               <a:rPr lang="en-US" dirty="0"/>
               <a:pPr/>
-              <a:t>11/9/2017</a:t>
+              <a:t>11/9/17</a:t>
             </a:fld>
             <a:endParaRPr lang="en-US" dirty="0"/>
           </a:p>
@@ -4916,7 +4916,7 @@
             <a:fld id="{09B482E8-6E0E-1B4F-B1FD-C69DB9E858D9}" type="datetimeFigureOut">
               <a:rPr lang="en-US" dirty="0"/>
               <a:pPr/>
-              <a:t>11/9/2017</a:t>
+              <a:t>11/9/17</a:t>
             </a:fld>
             <a:endParaRPr lang="en-US" dirty="0"/>
           </a:p>
@@ -16980,14 +16980,24 @@
           <a:p>
             <a:pPr algn="ctr"/>
             <a:r>
-              <a:rPr lang="en-US" altLang="ko-KR" dirty="0" smtClean="0">
+              <a:rPr lang="en-US" altLang="ko-KR" dirty="0">
                 <a:solidFill>
                   <a:schemeClr val="accent6">
                     <a:lumMod val="75000"/>
                   </a:schemeClr>
                 </a:solidFill>
               </a:rPr>
-              <a:t>Execution</a:t>
+              <a:t>Activation </a:t>
+            </a:r>
+            <a:r>
+              <a:rPr lang="en-US" altLang="ko-KR" dirty="0" smtClean="0">
+                <a:solidFill>
+                  <a:schemeClr val="accent6">
+                    <a:lumMod val="75000"/>
+                  </a:schemeClr>
+                </a:solidFill>
+              </a:rPr>
+              <a:t/>
             </a:r>
             <a:br>
               <a:rPr lang="en-US" altLang="ko-KR" dirty="0" smtClean="0">
@@ -17026,7 +17036,7 @@
         </p:nvSpPr>
         <p:spPr>
           <a:xfrm>
-            <a:off x="4046519" y="4629085"/>
+            <a:off x="4046519" y="4651387"/>
             <a:ext cx="2882734" cy="572393"/>
           </a:xfrm>
           <a:prstGeom prst="rect">
@@ -17053,14 +17063,24 @@
           <a:p>
             <a:pPr algn="ctr"/>
             <a:r>
-              <a:rPr lang="en-US" altLang="ko-KR" dirty="0" smtClean="0">
+              <a:rPr lang="en-US" altLang="ko-KR" dirty="0">
                 <a:solidFill>
                   <a:schemeClr val="accent6">
                     <a:lumMod val="75000"/>
                   </a:schemeClr>
                 </a:solidFill>
               </a:rPr>
-              <a:t>Execution</a:t>
+              <a:t>Activation </a:t>
+            </a:r>
+            <a:r>
+              <a:rPr lang="en-US" altLang="ko-KR" dirty="0" smtClean="0">
+                <a:solidFill>
+                  <a:schemeClr val="accent6">
+                    <a:lumMod val="75000"/>
+                  </a:schemeClr>
+                </a:solidFill>
+              </a:rPr>
+              <a:t/>
             </a:r>
             <a:br>
               <a:rPr lang="en-US" altLang="ko-KR" dirty="0" smtClean="0">
@@ -17212,7 +17232,7 @@
         </p:nvSpPr>
         <p:spPr>
           <a:xfrm>
-            <a:off x="4046519" y="4012462"/>
+            <a:off x="4046519" y="4034764"/>
             <a:ext cx="2882734" cy="572393"/>
           </a:xfrm>
           <a:prstGeom prst="rect">
@@ -17246,7 +17266,17 @@
                   </a:schemeClr>
                 </a:solidFill>
               </a:rPr>
-              <a:t>Execution</a:t>
+              <a:t>Activation</a:t>
+            </a:r>
+            <a:r>
+              <a:rPr lang="en-US" altLang="ko-KR" dirty="0" smtClean="0">
+                <a:solidFill>
+                  <a:schemeClr val="accent6">
+                    <a:lumMod val="75000"/>
+                  </a:schemeClr>
+                </a:solidFill>
+              </a:rPr>
+              <a:t/>
             </a:r>
             <a:br>
               <a:rPr lang="en-US" altLang="ko-KR" dirty="0" smtClean="0">
@@ -17285,7 +17315,7 @@
         </p:nvSpPr>
         <p:spPr>
           <a:xfrm>
-            <a:off x="4046519" y="3405548"/>
+            <a:off x="4046519" y="3416699"/>
             <a:ext cx="2882734" cy="572393"/>
           </a:xfrm>
           <a:prstGeom prst="rect">
@@ -17319,17 +17349,11 @@
                   </a:schemeClr>
                 </a:solidFill>
               </a:rPr>
-              <a:t>Execution</a:t>
-            </a:r>
-            <a:br>
-              <a:rPr lang="en-US" altLang="ko-KR" dirty="0" smtClean="0">
-                <a:solidFill>
-                  <a:schemeClr val="accent6">
-                    <a:lumMod val="75000"/>
-                  </a:schemeClr>
-                </a:solidFill>
-              </a:rPr>
-            </a:br>
+              <a:t>Activation</a:t>
+            </a:r>
+          </a:p>
+          <a:p>
+            <a:pPr algn="ctr"/>
             <a:r>
               <a:rPr lang="en-US" altLang="ko-KR" dirty="0" smtClean="0">
                 <a:solidFill>
